--- a/InstallationAndPreview/Advanced Programming 2 -EX3.pptx
+++ b/InstallationAndPreview/Advanced Programming 2 -EX3.pptx
@@ -5688,10 +5688,20 @@
               <a:t>FlightGear</a:t>
             </a:r>
             <a:r>
-              <a:rPr lang="en-US" dirty="0" smtClean="0">
+              <a:rPr lang="en-US" smtClean="0">
                 <a:hlinkClick r:id="rId2"/>
               </a:rPr>
-              <a:t> Simulator</a:t>
+              <a:t> </a:t>
+            </a:r>
+            <a:r>
+              <a:rPr lang="en-US" smtClean="0">
+                <a:hlinkClick r:id="rId2"/>
+              </a:rPr>
+              <a:t>Simulator</a:t>
+            </a:r>
+            <a:r>
+              <a:rPr lang="en-US" smtClean="0"/>
+              <a:t>(2020.3.6 or above).</a:t>
             </a:r>
             <a:endParaRPr lang="en-US" dirty="0" smtClean="0"/>
           </a:p>
@@ -5811,7 +5821,19 @@
           <a:p>
             <a:r>
               <a:rPr lang="en-US" dirty="0" smtClean="0"/>
-              <a:t>UML – MVVM DESIGN</a:t>
+              <a:t>UML – MVVM </a:t>
+            </a:r>
+            <a:r>
+              <a:rPr lang="en-US" b="0" dirty="0"/>
+              <a:t>a</a:t>
+            </a:r>
+            <a:r>
+              <a:rPr lang="en-US" b="0" dirty="0" smtClean="0"/>
+              <a:t>rchitectural </a:t>
+            </a:r>
+            <a:r>
+              <a:rPr lang="en-US" b="0" dirty="0"/>
+              <a:t>pattern</a:t>
             </a:r>
             <a:endParaRPr lang="en-US" dirty="0"/>
           </a:p>
